--- a/preparation/grip.pptx
+++ b/preparation/grip.pptx
@@ -8,13 +8,16 @@
     <p:sldId id="265" r:id="rId2"/>
     <p:sldId id="256" r:id="rId3"/>
     <p:sldId id="257" r:id="rId4"/>
-    <p:sldId id="262" r:id="rId5"/>
-    <p:sldId id="258" r:id="rId6"/>
-    <p:sldId id="259" r:id="rId7"/>
-    <p:sldId id="260" r:id="rId8"/>
-    <p:sldId id="261" r:id="rId9"/>
-    <p:sldId id="263" r:id="rId10"/>
-    <p:sldId id="264" r:id="rId11"/>
+    <p:sldId id="267" r:id="rId5"/>
+    <p:sldId id="268" r:id="rId6"/>
+    <p:sldId id="262" r:id="rId7"/>
+    <p:sldId id="258" r:id="rId8"/>
+    <p:sldId id="259" r:id="rId9"/>
+    <p:sldId id="260" r:id="rId10"/>
+    <p:sldId id="261" r:id="rId11"/>
+    <p:sldId id="263" r:id="rId12"/>
+    <p:sldId id="264" r:id="rId13"/>
+    <p:sldId id="266" r:id="rId14"/>
   </p:sldIdLst>
   <p:sldSz cx="12192000" cy="6858000"/>
   <p:notesSz cx="6858000" cy="9144000"/>
@@ -252,7 +255,7 @@
           <a:p>
             <a:fld id="{56141764-9FAB-4255-BC50-44FC4EBA4AF3}" type="datetimeFigureOut">
               <a:rPr lang="zh-CN" altLang="en-US" smtClean="0"/>
-              <a:t>2019/1/21</a:t>
+              <a:t>2019/4/30</a:t>
             </a:fld>
             <a:endParaRPr lang="zh-CN" altLang="en-US"/>
           </a:p>
@@ -422,7 +425,7 @@
           <a:p>
             <a:fld id="{56141764-9FAB-4255-BC50-44FC4EBA4AF3}" type="datetimeFigureOut">
               <a:rPr lang="zh-CN" altLang="en-US" smtClean="0"/>
-              <a:t>2019/1/21</a:t>
+              <a:t>2019/4/30</a:t>
             </a:fld>
             <a:endParaRPr lang="zh-CN" altLang="en-US"/>
           </a:p>
@@ -602,7 +605,7 @@
           <a:p>
             <a:fld id="{56141764-9FAB-4255-BC50-44FC4EBA4AF3}" type="datetimeFigureOut">
               <a:rPr lang="zh-CN" altLang="en-US" smtClean="0"/>
-              <a:t>2019/1/21</a:t>
+              <a:t>2019/4/30</a:t>
             </a:fld>
             <a:endParaRPr lang="zh-CN" altLang="en-US"/>
           </a:p>
@@ -772,7 +775,7 @@
           <a:p>
             <a:fld id="{56141764-9FAB-4255-BC50-44FC4EBA4AF3}" type="datetimeFigureOut">
               <a:rPr lang="zh-CN" altLang="en-US" smtClean="0"/>
-              <a:t>2019/1/21</a:t>
+              <a:t>2019/4/30</a:t>
             </a:fld>
             <a:endParaRPr lang="zh-CN" altLang="en-US"/>
           </a:p>
@@ -1018,7 +1021,7 @@
           <a:p>
             <a:fld id="{56141764-9FAB-4255-BC50-44FC4EBA4AF3}" type="datetimeFigureOut">
               <a:rPr lang="zh-CN" altLang="en-US" smtClean="0"/>
-              <a:t>2019/1/21</a:t>
+              <a:t>2019/4/30</a:t>
             </a:fld>
             <a:endParaRPr lang="zh-CN" altLang="en-US"/>
           </a:p>
@@ -1250,7 +1253,7 @@
           <a:p>
             <a:fld id="{56141764-9FAB-4255-BC50-44FC4EBA4AF3}" type="datetimeFigureOut">
               <a:rPr lang="zh-CN" altLang="en-US" smtClean="0"/>
-              <a:t>2019/1/21</a:t>
+              <a:t>2019/4/30</a:t>
             </a:fld>
             <a:endParaRPr lang="zh-CN" altLang="en-US"/>
           </a:p>
@@ -1617,7 +1620,7 @@
           <a:p>
             <a:fld id="{56141764-9FAB-4255-BC50-44FC4EBA4AF3}" type="datetimeFigureOut">
               <a:rPr lang="zh-CN" altLang="en-US" smtClean="0"/>
-              <a:t>2019/1/21</a:t>
+              <a:t>2019/4/30</a:t>
             </a:fld>
             <a:endParaRPr lang="zh-CN" altLang="en-US"/>
           </a:p>
@@ -1735,7 +1738,7 @@
           <a:p>
             <a:fld id="{56141764-9FAB-4255-BC50-44FC4EBA4AF3}" type="datetimeFigureOut">
               <a:rPr lang="zh-CN" altLang="en-US" smtClean="0"/>
-              <a:t>2019/1/21</a:t>
+              <a:t>2019/4/30</a:t>
             </a:fld>
             <a:endParaRPr lang="zh-CN" altLang="en-US"/>
           </a:p>
@@ -1830,7 +1833,7 @@
           <a:p>
             <a:fld id="{56141764-9FAB-4255-BC50-44FC4EBA4AF3}" type="datetimeFigureOut">
               <a:rPr lang="zh-CN" altLang="en-US" smtClean="0"/>
-              <a:t>2019/1/21</a:t>
+              <a:t>2019/4/30</a:t>
             </a:fld>
             <a:endParaRPr lang="zh-CN" altLang="en-US"/>
           </a:p>
@@ -2107,7 +2110,7 @@
           <a:p>
             <a:fld id="{56141764-9FAB-4255-BC50-44FC4EBA4AF3}" type="datetimeFigureOut">
               <a:rPr lang="zh-CN" altLang="en-US" smtClean="0"/>
-              <a:t>2019/1/21</a:t>
+              <a:t>2019/4/30</a:t>
             </a:fld>
             <a:endParaRPr lang="zh-CN" altLang="en-US"/>
           </a:p>
@@ -2360,7 +2363,7 @@
           <a:p>
             <a:fld id="{56141764-9FAB-4255-BC50-44FC4EBA4AF3}" type="datetimeFigureOut">
               <a:rPr lang="zh-CN" altLang="en-US" smtClean="0"/>
-              <a:t>2019/1/21</a:t>
+              <a:t>2019/4/30</a:t>
             </a:fld>
             <a:endParaRPr lang="zh-CN" altLang="en-US"/>
           </a:p>
@@ -2573,7 +2576,7 @@
           <a:p>
             <a:fld id="{56141764-9FAB-4255-BC50-44FC4EBA4AF3}" type="datetimeFigureOut">
               <a:rPr lang="zh-CN" altLang="en-US" smtClean="0"/>
-              <a:t>2019/1/21</a:t>
+              <a:t>2019/4/30</a:t>
             </a:fld>
             <a:endParaRPr lang="zh-CN" altLang="en-US"/>
           </a:p>
@@ -3826,6 +3829,257 @@
       </p:grpSpPr>
       <p:sp>
         <p:nvSpPr>
+          <p:cNvPr id="2" name="矩形 1"/>
+          <p:cNvSpPr/>
+          <p:nvPr/>
+        </p:nvSpPr>
+        <p:spPr>
+          <a:xfrm>
+            <a:off x="702832" y="778176"/>
+            <a:ext cx="10442090" cy="2554545"/>
+          </a:xfrm>
+          <a:prstGeom prst="rect">
+            <a:avLst/>
+          </a:prstGeom>
+        </p:spPr>
+        <p:txBody>
+          <a:bodyPr wrap="square">
+            <a:spAutoFit/>
+          </a:bodyPr>
+          <a:lstStyle/>
+          <a:p>
+            <a:r>
+              <a:rPr lang="en-US" altLang="zh-CN" sz="2000" dirty="0" smtClean="0"/>
+              <a:t>3. </a:t>
+            </a:r>
+            <a:r>
+              <a:rPr lang="zh-CN" altLang="en-US" sz="2000" dirty="0" smtClean="0"/>
+              <a:t>正式实验</a:t>
+            </a:r>
+            <a:endParaRPr lang="en-US" altLang="zh-CN" sz="2000" dirty="0" smtClean="0"/>
+          </a:p>
+          <a:p>
+            <a:r>
+              <a:rPr lang="zh-CN" altLang="en-US" sz="2000" dirty="0" smtClean="0"/>
+              <a:t>正式实验分为九个阶段。每个阶段您将会听到不同快慢的声音节拍。您需要跟随节拍完成握力实验。</a:t>
+            </a:r>
+            <a:endParaRPr lang="en-US" altLang="zh-CN" sz="2000" dirty="0" smtClean="0"/>
+          </a:p>
+          <a:p>
+            <a:r>
+              <a:rPr lang="zh-CN" altLang="en-US" sz="2000" dirty="0" smtClean="0"/>
+              <a:t>在</a:t>
+            </a:r>
+            <a:r>
+              <a:rPr lang="zh-CN" altLang="en-US" sz="2000" dirty="0"/>
+              <a:t>每个回合开始之前，你将会听到有节奏的三声节拍，然后第四声节拍</a:t>
+            </a:r>
+            <a:r>
+              <a:rPr lang="zh-CN" altLang="en-US" sz="2000" dirty="0" smtClean="0"/>
+              <a:t>响起时</a:t>
+            </a:r>
+            <a:r>
+              <a:rPr lang="zh-CN" altLang="en-US" sz="2000" dirty="0"/>
+              <a:t>，红色指示</a:t>
+            </a:r>
+            <a:r>
+              <a:rPr lang="zh-CN" altLang="en-US" sz="2000" dirty="0" smtClean="0"/>
+              <a:t>点同时变为</a:t>
+            </a:r>
+            <a:r>
+              <a:rPr lang="zh-CN" altLang="en-US" sz="2000" dirty="0"/>
+              <a:t>绿色</a:t>
+            </a:r>
+            <a:r>
+              <a:rPr lang="zh-CN" altLang="en-US" sz="2000" dirty="0" smtClean="0"/>
+              <a:t>，标志该</a:t>
+            </a:r>
+            <a:r>
+              <a:rPr lang="zh-CN" altLang="en-US" sz="2000" dirty="0"/>
+              <a:t>回合正式开始。您需要在声音响起时</a:t>
+            </a:r>
+            <a:r>
+              <a:rPr lang="zh-CN" altLang="en-US" sz="2000" dirty="0" smtClean="0"/>
+              <a:t>开始快速握紧</a:t>
+            </a:r>
+            <a:r>
+              <a:rPr lang="zh-CN" altLang="en-US" sz="2000" dirty="0"/>
+              <a:t>握力装置，到达指定的“门”内，并且松手返回。待下一次节拍响起时再次</a:t>
+            </a:r>
+            <a:r>
+              <a:rPr lang="zh-CN" altLang="en-US" sz="2000" dirty="0" smtClean="0"/>
+              <a:t>握紧移向下</a:t>
+            </a:r>
+            <a:r>
+              <a:rPr lang="zh-CN" altLang="en-US" sz="2000" dirty="0"/>
+              <a:t>一个“门”。请一直保持这种节奏</a:t>
+            </a:r>
+            <a:r>
+              <a:rPr lang="zh-CN" altLang="en-US" sz="2000" dirty="0" smtClean="0"/>
+              <a:t>。每回合如果</a:t>
+            </a:r>
+            <a:r>
+              <a:rPr lang="zh-CN" altLang="en-US" sz="2000" dirty="0"/>
+              <a:t>延误超过一个节拍。即使到达门内，该“门”成绩也会判为</a:t>
+            </a:r>
+            <a:r>
+              <a:rPr lang="zh-CN" altLang="en-US" sz="2000" dirty="0" smtClean="0"/>
+              <a:t>错误。</a:t>
+            </a:r>
+            <a:r>
+              <a:rPr lang="zh-CN" altLang="en-US" sz="2000" dirty="0"/>
+              <a:t>每一个阶段之内节拍不会发生变化</a:t>
+            </a:r>
+            <a:r>
+              <a:rPr lang="zh-CN" altLang="en-US" sz="2000" dirty="0" smtClean="0"/>
+              <a:t>。每一段开始之前，会有</a:t>
+            </a:r>
+            <a:r>
+              <a:rPr lang="en-US" altLang="zh-CN" sz="2000" dirty="0" smtClean="0"/>
+              <a:t>5</a:t>
+            </a:r>
+            <a:r>
+              <a:rPr lang="zh-CN" altLang="en-US" sz="2000" dirty="0" smtClean="0"/>
+              <a:t>秒仅播放声音展示节拍快慢。</a:t>
+            </a:r>
+            <a:endParaRPr lang="zh-CN" altLang="en-US" sz="2000" dirty="0"/>
+          </a:p>
+        </p:txBody>
+      </p:sp>
+    </p:spTree>
+    <p:extLst>
+      <p:ext uri="{BB962C8B-B14F-4D97-AF65-F5344CB8AC3E}">
+        <p14:creationId xmlns:p14="http://schemas.microsoft.com/office/powerpoint/2010/main" val="1443087586"/>
+      </p:ext>
+    </p:extLst>
+  </p:cSld>
+  <p:clrMapOvr>
+    <a:masterClrMapping/>
+  </p:clrMapOvr>
+</p:sld>
+</file>
+
+<file path=ppt/slides/slide11.xml><?xml version="1.0" encoding="utf-8"?>
+<p:sld xmlns:a="http://schemas.openxmlformats.org/drawingml/2006/main" xmlns:r="http://schemas.openxmlformats.org/officeDocument/2006/relationships" xmlns:p="http://schemas.openxmlformats.org/presentationml/2006/main">
+  <p:cSld>
+    <p:spTree>
+      <p:nvGrpSpPr>
+        <p:cNvPr id="1" name=""/>
+        <p:cNvGrpSpPr/>
+        <p:nvPr/>
+      </p:nvGrpSpPr>
+      <p:grpSpPr>
+        <a:xfrm>
+          <a:off x="0" y="0"/>
+          <a:ext cx="0" cy="0"/>
+          <a:chOff x="0" y="0"/>
+          <a:chExt cx="0" cy="0"/>
+        </a:xfrm>
+      </p:grpSpPr>
+      <p:sp>
+        <p:nvSpPr>
+          <p:cNvPr id="2" name="文本框 1"/>
+          <p:cNvSpPr txBox="1"/>
+          <p:nvPr/>
+        </p:nvSpPr>
+        <p:spPr>
+          <a:xfrm>
+            <a:off x="1742738" y="1538344"/>
+            <a:ext cx="9036423" cy="3539430"/>
+          </a:xfrm>
+          <a:prstGeom prst="rect">
+            <a:avLst/>
+          </a:prstGeom>
+          <a:noFill/>
+        </p:spPr>
+        <p:txBody>
+          <a:bodyPr wrap="square" rtlCol="0">
+            <a:spAutoFit/>
+          </a:bodyPr>
+          <a:lstStyle/>
+          <a:p>
+            <a:pPr algn="ctr"/>
+            <a:r>
+              <a:rPr lang="zh-CN" altLang="en-US" sz="4400" b="1" dirty="0"/>
+              <a:t>按键运动</a:t>
+            </a:r>
+            <a:r>
+              <a:rPr lang="zh-CN" altLang="en-US" sz="4400" b="1" dirty="0" smtClean="0"/>
+              <a:t>任务</a:t>
+            </a:r>
+            <a:endParaRPr lang="en-US" altLang="zh-CN" sz="4400" b="1" dirty="0" smtClean="0"/>
+          </a:p>
+          <a:p>
+            <a:endParaRPr lang="en-US" altLang="zh-CN" sz="3600" b="1" dirty="0" smtClean="0"/>
+          </a:p>
+          <a:p>
+            <a:r>
+              <a:rPr lang="zh-CN" altLang="en-US" sz="3600" dirty="0" smtClean="0"/>
+              <a:t>屏幕呈现白色十字时休息。</a:t>
+            </a:r>
+            <a:endParaRPr lang="en-US" altLang="zh-CN" sz="3600" dirty="0" smtClean="0"/>
+          </a:p>
+          <a:p>
+            <a:r>
+              <a:rPr lang="zh-CN" altLang="en-US" sz="3600" dirty="0" smtClean="0"/>
+              <a:t>屏幕呈现</a:t>
+            </a:r>
+            <a:r>
+              <a:rPr lang="zh-CN" altLang="en-US" sz="3600" dirty="0" smtClean="0">
+                <a:solidFill>
+                  <a:srgbClr val="00B050"/>
+                </a:solidFill>
+              </a:rPr>
+              <a:t>绿色方块</a:t>
+            </a:r>
+            <a:r>
+              <a:rPr lang="zh-CN" altLang="en-US" sz="3600" dirty="0" smtClean="0"/>
+              <a:t>时，请按照用除大拇指以外四根手指，按照大约</a:t>
+            </a:r>
+            <a:r>
+              <a:rPr lang="en-US" altLang="zh-CN" sz="3600" dirty="0" smtClean="0"/>
+              <a:t>1s/</a:t>
+            </a:r>
+            <a:r>
+              <a:rPr lang="zh-CN" altLang="en-US" sz="3600" dirty="0" smtClean="0"/>
+              <a:t>次的频率从左到右依次在按键器上按键，重复进行。</a:t>
+            </a:r>
+            <a:endParaRPr lang="zh-CN" altLang="en-US" sz="3600" dirty="0"/>
+          </a:p>
+        </p:txBody>
+      </p:sp>
+    </p:spTree>
+    <p:extLst>
+      <p:ext uri="{BB962C8B-B14F-4D97-AF65-F5344CB8AC3E}">
+        <p14:creationId xmlns:p14="http://schemas.microsoft.com/office/powerpoint/2010/main" val="100826819"/>
+      </p:ext>
+    </p:extLst>
+  </p:cSld>
+  <p:clrMapOvr>
+    <a:masterClrMapping/>
+  </p:clrMapOvr>
+</p:sld>
+</file>
+
+<file path=ppt/slides/slide12.xml><?xml version="1.0" encoding="utf-8"?>
+<p:sld xmlns:a="http://schemas.openxmlformats.org/drawingml/2006/main" xmlns:r="http://schemas.openxmlformats.org/officeDocument/2006/relationships" xmlns:p="http://schemas.openxmlformats.org/presentationml/2006/main">
+  <p:cSld>
+    <p:spTree>
+      <p:nvGrpSpPr>
+        <p:cNvPr id="1" name=""/>
+        <p:cNvGrpSpPr/>
+        <p:nvPr/>
+      </p:nvGrpSpPr>
+      <p:grpSpPr>
+        <a:xfrm>
+          <a:off x="0" y="0"/>
+          <a:ext cx="0" cy="0"/>
+          <a:chOff x="0" y="0"/>
+          <a:chExt cx="0" cy="0"/>
+        </a:xfrm>
+      </p:grpSpPr>
+      <p:sp>
+        <p:nvSpPr>
           <p:cNvPr id="2" name="文本框 1"/>
           <p:cNvSpPr txBox="1"/>
           <p:nvPr/>
@@ -3900,6 +4154,36 @@
     <p:extLst>
       <p:ext uri="{BB962C8B-B14F-4D97-AF65-F5344CB8AC3E}">
         <p14:creationId xmlns:p14="http://schemas.microsoft.com/office/powerpoint/2010/main" val="3985804491"/>
+      </p:ext>
+    </p:extLst>
+  </p:cSld>
+  <p:clrMapOvr>
+    <a:masterClrMapping/>
+  </p:clrMapOvr>
+</p:sld>
+</file>
+
+<file path=ppt/slides/slide13.xml><?xml version="1.0" encoding="utf-8"?>
+<p:sld xmlns:a="http://schemas.openxmlformats.org/drawingml/2006/main" xmlns:r="http://schemas.openxmlformats.org/officeDocument/2006/relationships" xmlns:p="http://schemas.openxmlformats.org/presentationml/2006/main">
+  <p:cSld>
+    <p:spTree>
+      <p:nvGrpSpPr>
+        <p:cNvPr id="1" name=""/>
+        <p:cNvGrpSpPr/>
+        <p:nvPr/>
+      </p:nvGrpSpPr>
+      <p:grpSpPr>
+        <a:xfrm>
+          <a:off x="0" y="0"/>
+          <a:ext cx="0" cy="0"/>
+          <a:chOff x="0" y="0"/>
+          <a:chExt cx="0" cy="0"/>
+        </a:xfrm>
+      </p:grpSpPr>
+    </p:spTree>
+    <p:extLst>
+      <p:ext uri="{BB962C8B-B14F-4D97-AF65-F5344CB8AC3E}">
+        <p14:creationId xmlns:p14="http://schemas.microsoft.com/office/powerpoint/2010/main" val="1826338796"/>
       </p:ext>
     </p:extLst>
   </p:cSld>
@@ -4808,8 +5092,8 @@
         </p:nvSpPr>
         <p:spPr>
           <a:xfrm>
-            <a:off x="2225350" y="2109242"/>
-            <a:ext cx="7809186" cy="1200329"/>
+            <a:off x="2895472" y="1953387"/>
+            <a:ext cx="7809186" cy="1862048"/>
           </a:xfrm>
           <a:prstGeom prst="rect">
             <a:avLst/>
@@ -4823,17 +5107,47 @@
           <a:lstStyle/>
           <a:p>
             <a:r>
-              <a:rPr lang="zh-CN" altLang="en-US" sz="7200" dirty="0" smtClean="0"/>
-              <a:t>请准备并熟悉节奏</a:t>
-            </a:r>
-            <a:endParaRPr lang="zh-CN" altLang="en-US" sz="7200" dirty="0"/>
+              <a:rPr lang="zh-CN" altLang="en-US" sz="11500" dirty="0"/>
+              <a:t>训练开始</a:t>
+            </a:r>
+            <a:endParaRPr lang="zh-CN" altLang="en-US" sz="11500" dirty="0"/>
+          </a:p>
+        </p:txBody>
+      </p:sp>
+      <p:sp>
+        <p:nvSpPr>
+          <p:cNvPr id="6" name="文本框 5"/>
+          <p:cNvSpPr txBox="1"/>
+          <p:nvPr/>
+        </p:nvSpPr>
+        <p:spPr>
+          <a:xfrm>
+            <a:off x="3013330" y="3996110"/>
+            <a:ext cx="6019158" cy="461665"/>
+          </a:xfrm>
+          <a:prstGeom prst="rect">
+            <a:avLst/>
+          </a:prstGeom>
+          <a:noFill/>
+        </p:spPr>
+        <p:txBody>
+          <a:bodyPr wrap="square" rtlCol="0">
+            <a:spAutoFit/>
+          </a:bodyPr>
+          <a:lstStyle/>
+          <a:p>
+            <a:r>
+              <a:rPr lang="zh-CN" altLang="en-US" sz="2400" dirty="0" smtClean="0"/>
+              <a:t>请调整好坐姿，关闭手机，按空格继续实验</a:t>
+            </a:r>
+            <a:endParaRPr lang="zh-CN" altLang="en-US" sz="2400" dirty="0"/>
           </a:p>
         </p:txBody>
       </p:sp>
     </p:spTree>
     <p:extLst>
       <p:ext uri="{BB962C8B-B14F-4D97-AF65-F5344CB8AC3E}">
-        <p14:creationId xmlns:p14="http://schemas.microsoft.com/office/powerpoint/2010/main" val="358921956"/>
+        <p14:creationId xmlns:p14="http://schemas.microsoft.com/office/powerpoint/2010/main" val="1374055157"/>
       </p:ext>
     </p:extLst>
   </p:cSld>
@@ -4862,6 +5176,156 @@
       </p:grpSpPr>
       <p:sp>
         <p:nvSpPr>
+          <p:cNvPr id="5" name="文本框 4"/>
+          <p:cNvSpPr txBox="1"/>
+          <p:nvPr/>
+        </p:nvSpPr>
+        <p:spPr>
+          <a:xfrm>
+            <a:off x="3017447" y="1975689"/>
+            <a:ext cx="6100134" cy="1862048"/>
+          </a:xfrm>
+          <a:prstGeom prst="rect">
+            <a:avLst/>
+          </a:prstGeom>
+          <a:noFill/>
+        </p:spPr>
+        <p:txBody>
+          <a:bodyPr wrap="square" rtlCol="0">
+            <a:spAutoFit/>
+          </a:bodyPr>
+          <a:lstStyle/>
+          <a:p>
+            <a:r>
+              <a:rPr lang="zh-CN" altLang="en-US" sz="11500" dirty="0" smtClean="0"/>
+              <a:t>训练结束</a:t>
+            </a:r>
+            <a:endParaRPr lang="zh-CN" altLang="en-US" sz="11500" dirty="0"/>
+          </a:p>
+        </p:txBody>
+      </p:sp>
+      <p:sp>
+        <p:nvSpPr>
+          <p:cNvPr id="6" name="文本框 5"/>
+          <p:cNvSpPr txBox="1"/>
+          <p:nvPr/>
+        </p:nvSpPr>
+        <p:spPr>
+          <a:xfrm>
+            <a:off x="3470529" y="4029563"/>
+            <a:ext cx="5193969" cy="461665"/>
+          </a:xfrm>
+          <a:prstGeom prst="rect">
+            <a:avLst/>
+          </a:prstGeom>
+          <a:noFill/>
+        </p:spPr>
+        <p:txBody>
+          <a:bodyPr wrap="square" rtlCol="0">
+            <a:spAutoFit/>
+          </a:bodyPr>
+          <a:lstStyle/>
+          <a:p>
+            <a:r>
+              <a:rPr lang="zh-CN" altLang="en-US" sz="2400" dirty="0" smtClean="0"/>
+              <a:t>感谢您的参与，按空格结束本次实验。</a:t>
+            </a:r>
+            <a:endParaRPr lang="zh-CN" altLang="en-US" sz="2400" dirty="0"/>
+          </a:p>
+        </p:txBody>
+      </p:sp>
+    </p:spTree>
+    <p:extLst>
+      <p:ext uri="{BB962C8B-B14F-4D97-AF65-F5344CB8AC3E}">
+        <p14:creationId xmlns:p14="http://schemas.microsoft.com/office/powerpoint/2010/main" val="2898792875"/>
+      </p:ext>
+    </p:extLst>
+  </p:cSld>
+  <p:clrMapOvr>
+    <a:masterClrMapping/>
+  </p:clrMapOvr>
+</p:sld>
+</file>
+
+<file path=ppt/slides/slide6.xml><?xml version="1.0" encoding="utf-8"?>
+<p:sld xmlns:a="http://schemas.openxmlformats.org/drawingml/2006/main" xmlns:r="http://schemas.openxmlformats.org/officeDocument/2006/relationships" xmlns:p="http://schemas.openxmlformats.org/presentationml/2006/main">
+  <p:cSld>
+    <p:spTree>
+      <p:nvGrpSpPr>
+        <p:cNvPr id="1" name=""/>
+        <p:cNvGrpSpPr/>
+        <p:nvPr/>
+      </p:nvGrpSpPr>
+      <p:grpSpPr>
+        <a:xfrm>
+          <a:off x="0" y="0"/>
+          <a:ext cx="0" cy="0"/>
+          <a:chOff x="0" y="0"/>
+          <a:chExt cx="0" cy="0"/>
+        </a:xfrm>
+      </p:grpSpPr>
+      <p:sp>
+        <p:nvSpPr>
+          <p:cNvPr id="5" name="文本框 4"/>
+          <p:cNvSpPr txBox="1"/>
+          <p:nvPr/>
+        </p:nvSpPr>
+        <p:spPr>
+          <a:xfrm>
+            <a:off x="2225350" y="2109242"/>
+            <a:ext cx="7809186" cy="1200329"/>
+          </a:xfrm>
+          <a:prstGeom prst="rect">
+            <a:avLst/>
+          </a:prstGeom>
+          <a:noFill/>
+        </p:spPr>
+        <p:txBody>
+          <a:bodyPr wrap="square" rtlCol="0">
+            <a:spAutoFit/>
+          </a:bodyPr>
+          <a:lstStyle/>
+          <a:p>
+            <a:r>
+              <a:rPr lang="zh-CN" altLang="en-US" sz="7200" dirty="0" smtClean="0"/>
+              <a:t>请准备并熟悉节奏</a:t>
+            </a:r>
+            <a:endParaRPr lang="zh-CN" altLang="en-US" sz="7200" dirty="0"/>
+          </a:p>
+        </p:txBody>
+      </p:sp>
+    </p:spTree>
+    <p:extLst>
+      <p:ext uri="{BB962C8B-B14F-4D97-AF65-F5344CB8AC3E}">
+        <p14:creationId xmlns:p14="http://schemas.microsoft.com/office/powerpoint/2010/main" val="358921956"/>
+      </p:ext>
+    </p:extLst>
+  </p:cSld>
+  <p:clrMapOvr>
+    <a:masterClrMapping/>
+  </p:clrMapOvr>
+</p:sld>
+</file>
+
+<file path=ppt/slides/slide7.xml><?xml version="1.0" encoding="utf-8"?>
+<p:sld xmlns:a="http://schemas.openxmlformats.org/drawingml/2006/main" xmlns:r="http://schemas.openxmlformats.org/officeDocument/2006/relationships" xmlns:p="http://schemas.openxmlformats.org/presentationml/2006/main">
+  <p:cSld>
+    <p:spTree>
+      <p:nvGrpSpPr>
+        <p:cNvPr id="1" name=""/>
+        <p:cNvGrpSpPr/>
+        <p:nvPr/>
+      </p:nvGrpSpPr>
+      <p:grpSpPr>
+        <a:xfrm>
+          <a:off x="0" y="0"/>
+          <a:ext cx="0" cy="0"/>
+          <a:chOff x="0" y="0"/>
+          <a:chExt cx="0" cy="0"/>
+        </a:xfrm>
+      </p:grpSpPr>
+      <p:sp>
+        <p:nvSpPr>
           <p:cNvPr id="2" name="文本框 1"/>
           <p:cNvSpPr txBox="1"/>
           <p:nvPr/>
@@ -4936,7 +5400,7 @@
 </p:sld>
 </file>
 
-<file path=ppt/slides/slide6.xml><?xml version="1.0" encoding="utf-8"?>
+<file path=ppt/slides/slide8.xml><?xml version="1.0" encoding="utf-8"?>
 <p:sld xmlns:a="http://schemas.openxmlformats.org/drawingml/2006/main" xmlns:r="http://schemas.openxmlformats.org/officeDocument/2006/relationships" xmlns:p="http://schemas.openxmlformats.org/presentationml/2006/main">
   <p:cSld>
     <p:spTree>
@@ -5270,7 +5734,7 @@
 </p:sld>
 </file>
 
-<file path=ppt/slides/slide7.xml><?xml version="1.0" encoding="utf-8"?>
+<file path=ppt/slides/slide9.xml><?xml version="1.0" encoding="utf-8"?>
 <p:sld xmlns:a="http://schemas.openxmlformats.org/drawingml/2006/main" xmlns:r="http://schemas.openxmlformats.org/officeDocument/2006/relationships" xmlns:p="http://schemas.openxmlformats.org/presentationml/2006/main">
   <p:cSld>
     <p:spTree>
@@ -6587,257 +7051,6 @@
 </p:sld>
 </file>
 
-<file path=ppt/slides/slide8.xml><?xml version="1.0" encoding="utf-8"?>
-<p:sld xmlns:a="http://schemas.openxmlformats.org/drawingml/2006/main" xmlns:r="http://schemas.openxmlformats.org/officeDocument/2006/relationships" xmlns:p="http://schemas.openxmlformats.org/presentationml/2006/main">
-  <p:cSld>
-    <p:spTree>
-      <p:nvGrpSpPr>
-        <p:cNvPr id="1" name=""/>
-        <p:cNvGrpSpPr/>
-        <p:nvPr/>
-      </p:nvGrpSpPr>
-      <p:grpSpPr>
-        <a:xfrm>
-          <a:off x="0" y="0"/>
-          <a:ext cx="0" cy="0"/>
-          <a:chOff x="0" y="0"/>
-          <a:chExt cx="0" cy="0"/>
-        </a:xfrm>
-      </p:grpSpPr>
-      <p:sp>
-        <p:nvSpPr>
-          <p:cNvPr id="2" name="矩形 1"/>
-          <p:cNvSpPr/>
-          <p:nvPr/>
-        </p:nvSpPr>
-        <p:spPr>
-          <a:xfrm>
-            <a:off x="702832" y="778176"/>
-            <a:ext cx="10442090" cy="2554545"/>
-          </a:xfrm>
-          <a:prstGeom prst="rect">
-            <a:avLst/>
-          </a:prstGeom>
-        </p:spPr>
-        <p:txBody>
-          <a:bodyPr wrap="square">
-            <a:spAutoFit/>
-          </a:bodyPr>
-          <a:lstStyle/>
-          <a:p>
-            <a:r>
-              <a:rPr lang="en-US" altLang="zh-CN" sz="2000" dirty="0" smtClean="0"/>
-              <a:t>3. </a:t>
-            </a:r>
-            <a:r>
-              <a:rPr lang="zh-CN" altLang="en-US" sz="2000" dirty="0" smtClean="0"/>
-              <a:t>正式实验</a:t>
-            </a:r>
-            <a:endParaRPr lang="en-US" altLang="zh-CN" sz="2000" dirty="0" smtClean="0"/>
-          </a:p>
-          <a:p>
-            <a:r>
-              <a:rPr lang="zh-CN" altLang="en-US" sz="2000" dirty="0" smtClean="0"/>
-              <a:t>正式实验分为九个阶段。每个阶段您将会听到不同快慢的声音节拍。您需要跟随节拍完成握力实验。</a:t>
-            </a:r>
-            <a:endParaRPr lang="en-US" altLang="zh-CN" sz="2000" dirty="0" smtClean="0"/>
-          </a:p>
-          <a:p>
-            <a:r>
-              <a:rPr lang="zh-CN" altLang="en-US" sz="2000" dirty="0" smtClean="0"/>
-              <a:t>在</a:t>
-            </a:r>
-            <a:r>
-              <a:rPr lang="zh-CN" altLang="en-US" sz="2000" dirty="0"/>
-              <a:t>每个回合开始之前，你将会听到有节奏的三声节拍，然后第四声节拍</a:t>
-            </a:r>
-            <a:r>
-              <a:rPr lang="zh-CN" altLang="en-US" sz="2000" dirty="0" smtClean="0"/>
-              <a:t>响起时</a:t>
-            </a:r>
-            <a:r>
-              <a:rPr lang="zh-CN" altLang="en-US" sz="2000" dirty="0"/>
-              <a:t>，红色指示</a:t>
-            </a:r>
-            <a:r>
-              <a:rPr lang="zh-CN" altLang="en-US" sz="2000" dirty="0" smtClean="0"/>
-              <a:t>点同时变为</a:t>
-            </a:r>
-            <a:r>
-              <a:rPr lang="zh-CN" altLang="en-US" sz="2000" dirty="0"/>
-              <a:t>绿色</a:t>
-            </a:r>
-            <a:r>
-              <a:rPr lang="zh-CN" altLang="en-US" sz="2000" dirty="0" smtClean="0"/>
-              <a:t>，标志该</a:t>
-            </a:r>
-            <a:r>
-              <a:rPr lang="zh-CN" altLang="en-US" sz="2000" dirty="0"/>
-              <a:t>回合正式开始。您需要在声音响起时</a:t>
-            </a:r>
-            <a:r>
-              <a:rPr lang="zh-CN" altLang="en-US" sz="2000" dirty="0" smtClean="0"/>
-              <a:t>开始快速握紧</a:t>
-            </a:r>
-            <a:r>
-              <a:rPr lang="zh-CN" altLang="en-US" sz="2000" dirty="0"/>
-              <a:t>握力装置，到达指定的“门”内，并且松手返回。待下一次节拍响起时再次</a:t>
-            </a:r>
-            <a:r>
-              <a:rPr lang="zh-CN" altLang="en-US" sz="2000" dirty="0" smtClean="0"/>
-              <a:t>握紧移向下</a:t>
-            </a:r>
-            <a:r>
-              <a:rPr lang="zh-CN" altLang="en-US" sz="2000" dirty="0"/>
-              <a:t>一个“门”。请一直保持这种节奏</a:t>
-            </a:r>
-            <a:r>
-              <a:rPr lang="zh-CN" altLang="en-US" sz="2000" dirty="0" smtClean="0"/>
-              <a:t>。每回合如果</a:t>
-            </a:r>
-            <a:r>
-              <a:rPr lang="zh-CN" altLang="en-US" sz="2000" dirty="0"/>
-              <a:t>延误超过一个节拍。即使到达门内，该“门”成绩也会判为</a:t>
-            </a:r>
-            <a:r>
-              <a:rPr lang="zh-CN" altLang="en-US" sz="2000" dirty="0" smtClean="0"/>
-              <a:t>错误。</a:t>
-            </a:r>
-            <a:r>
-              <a:rPr lang="zh-CN" altLang="en-US" sz="2000" dirty="0"/>
-              <a:t>每一个阶段之内节拍不会发生变化</a:t>
-            </a:r>
-            <a:r>
-              <a:rPr lang="zh-CN" altLang="en-US" sz="2000" dirty="0" smtClean="0"/>
-              <a:t>。每一段开始之前，会有</a:t>
-            </a:r>
-            <a:r>
-              <a:rPr lang="en-US" altLang="zh-CN" sz="2000" dirty="0" smtClean="0"/>
-              <a:t>5</a:t>
-            </a:r>
-            <a:r>
-              <a:rPr lang="zh-CN" altLang="en-US" sz="2000" dirty="0" smtClean="0"/>
-              <a:t>秒仅播放声音展示节拍快慢。</a:t>
-            </a:r>
-            <a:endParaRPr lang="zh-CN" altLang="en-US" sz="2000" dirty="0"/>
-          </a:p>
-        </p:txBody>
-      </p:sp>
-    </p:spTree>
-    <p:extLst>
-      <p:ext uri="{BB962C8B-B14F-4D97-AF65-F5344CB8AC3E}">
-        <p14:creationId xmlns:p14="http://schemas.microsoft.com/office/powerpoint/2010/main" val="1443087586"/>
-      </p:ext>
-    </p:extLst>
-  </p:cSld>
-  <p:clrMapOvr>
-    <a:masterClrMapping/>
-  </p:clrMapOvr>
-</p:sld>
-</file>
-
-<file path=ppt/slides/slide9.xml><?xml version="1.0" encoding="utf-8"?>
-<p:sld xmlns:a="http://schemas.openxmlformats.org/drawingml/2006/main" xmlns:r="http://schemas.openxmlformats.org/officeDocument/2006/relationships" xmlns:p="http://schemas.openxmlformats.org/presentationml/2006/main">
-  <p:cSld>
-    <p:spTree>
-      <p:nvGrpSpPr>
-        <p:cNvPr id="1" name=""/>
-        <p:cNvGrpSpPr/>
-        <p:nvPr/>
-      </p:nvGrpSpPr>
-      <p:grpSpPr>
-        <a:xfrm>
-          <a:off x="0" y="0"/>
-          <a:ext cx="0" cy="0"/>
-          <a:chOff x="0" y="0"/>
-          <a:chExt cx="0" cy="0"/>
-        </a:xfrm>
-      </p:grpSpPr>
-      <p:sp>
-        <p:nvSpPr>
-          <p:cNvPr id="2" name="文本框 1"/>
-          <p:cNvSpPr txBox="1"/>
-          <p:nvPr/>
-        </p:nvSpPr>
-        <p:spPr>
-          <a:xfrm>
-            <a:off x="1742738" y="1538344"/>
-            <a:ext cx="9036423" cy="3539430"/>
-          </a:xfrm>
-          <a:prstGeom prst="rect">
-            <a:avLst/>
-          </a:prstGeom>
-          <a:noFill/>
-        </p:spPr>
-        <p:txBody>
-          <a:bodyPr wrap="square" rtlCol="0">
-            <a:spAutoFit/>
-          </a:bodyPr>
-          <a:lstStyle/>
-          <a:p>
-            <a:pPr algn="ctr"/>
-            <a:r>
-              <a:rPr lang="zh-CN" altLang="en-US" sz="4400" b="1" dirty="0"/>
-              <a:t>按键运动</a:t>
-            </a:r>
-            <a:r>
-              <a:rPr lang="zh-CN" altLang="en-US" sz="4400" b="1" dirty="0" smtClean="0"/>
-              <a:t>任务</a:t>
-            </a:r>
-            <a:endParaRPr lang="en-US" altLang="zh-CN" sz="4400" b="1" dirty="0" smtClean="0"/>
-          </a:p>
-          <a:p>
-            <a:endParaRPr lang="en-US" altLang="zh-CN" sz="3600" b="1" dirty="0" smtClean="0"/>
-          </a:p>
-          <a:p>
-            <a:r>
-              <a:rPr lang="zh-CN" altLang="en-US" sz="3600" dirty="0" smtClean="0"/>
-              <a:t>屏幕呈现白色十字时休息。</a:t>
-            </a:r>
-            <a:endParaRPr lang="en-US" altLang="zh-CN" sz="3600" dirty="0" smtClean="0"/>
-          </a:p>
-          <a:p>
-            <a:r>
-              <a:rPr lang="zh-CN" altLang="en-US" sz="3600" dirty="0" smtClean="0"/>
-              <a:t>屏幕呈现</a:t>
-            </a:r>
-            <a:r>
-              <a:rPr lang="zh-CN" altLang="en-US" sz="3600" dirty="0" smtClean="0">
-                <a:solidFill>
-                  <a:srgbClr val="00B050"/>
-                </a:solidFill>
-              </a:rPr>
-              <a:t>绿色方块</a:t>
-            </a:r>
-            <a:r>
-              <a:rPr lang="zh-CN" altLang="en-US" sz="3600" dirty="0" smtClean="0"/>
-              <a:t>时，请按照用除大拇指以外四根手指，按照大约</a:t>
-            </a:r>
-            <a:r>
-              <a:rPr lang="en-US" altLang="zh-CN" sz="3600" dirty="0" smtClean="0"/>
-              <a:t>1s/</a:t>
-            </a:r>
-            <a:r>
-              <a:rPr lang="zh-CN" altLang="en-US" sz="3600" dirty="0" smtClean="0"/>
-              <a:t>次的频率从左到右依次在按键器上按键，重复进行。</a:t>
-            </a:r>
-            <a:endParaRPr lang="zh-CN" altLang="en-US" sz="3600" dirty="0"/>
-          </a:p>
-        </p:txBody>
-      </p:sp>
-    </p:spTree>
-    <p:extLst>
-      <p:ext uri="{BB962C8B-B14F-4D97-AF65-F5344CB8AC3E}">
-        <p14:creationId xmlns:p14="http://schemas.microsoft.com/office/powerpoint/2010/main" val="100826819"/>
-      </p:ext>
-    </p:extLst>
-  </p:cSld>
-  <p:clrMapOvr>
-    <a:masterClrMapping/>
-  </p:clrMapOvr>
-</p:sld>
-</file>
-
 <file path=ppt/theme/theme1.xml><?xml version="1.0" encoding="utf-8"?>
 <a:theme xmlns:a="http://schemas.openxmlformats.org/drawingml/2006/main" name="Office 主题">
   <a:themeElements>
